--- a/PPTs/L1 Data Representation Exercises.pptx
+++ b/PPTs/L1 Data Representation Exercises.pptx
@@ -146,12 +146,20 @@
 </p:presentation>
 </file>
 
+<file path=ppt/revisionInfo.xml><?xml version="1.0" encoding="utf-8"?>
+<p1510:revInfo xmlns:a="http://schemas.openxmlformats.org/drawingml/2006/main" xmlns:r="http://schemas.openxmlformats.org/officeDocument/2006/relationships" xmlns:p1510="http://schemas.microsoft.com/office/powerpoint/2015/10/main">
+  <p1510:revLst>
+    <p1510:client id="{09C960B9-3397-4353-8F8D-E64CA9AF94D6}" v="1" dt="2025-09-11T23:49:59.969"/>
+  </p1510:revLst>
+</p1510:revInfo>
+</file>
+
 <file path=ppt/changesInfos/changesInfo1.xml><?xml version="1.0" encoding="utf-8"?>
 <pc:chgInfo xmlns:a="http://schemas.openxmlformats.org/drawingml/2006/main" xmlns:r="http://schemas.openxmlformats.org/officeDocument/2006/relationships" xmlns:ac="http://schemas.microsoft.com/office/drawing/2013/main/command" xmlns:pc="http://schemas.microsoft.com/office/powerpoint/2013/main/command">
   <pc:docChgLst>
     <pc:chgData name="Zonghua Gu" userId="9a7e1853e1951ef5" providerId="LiveId" clId="{CF1FAA12-072C-4ED5-BA76-0FFFAEFDB88A}"/>
     <pc:docChg chg="custSel delSld modSld">
-      <pc:chgData name="Zonghua Gu" userId="9a7e1853e1951ef5" providerId="LiveId" clId="{CF1FAA12-072C-4ED5-BA76-0FFFAEFDB88A}" dt="2025-09-02T23:28:25.300" v="11" actId="47"/>
+      <pc:chgData name="Zonghua Gu" userId="9a7e1853e1951ef5" providerId="LiveId" clId="{CF1FAA12-072C-4ED5-BA76-0FFFAEFDB88A}" dt="2025-09-11T23:50:11.718" v="22" actId="20577"/>
       <pc:docMkLst>
         <pc:docMk/>
       </pc:docMkLst>
@@ -161,14 +169,6 @@
           <pc:docMk/>
           <pc:sldMk cId="1692472849" sldId="342"/>
         </pc:sldMkLst>
-        <pc:picChg chg="del">
-          <ac:chgData name="Zonghua Gu" userId="9a7e1853e1951ef5" providerId="LiveId" clId="{CF1FAA12-072C-4ED5-BA76-0FFFAEFDB88A}" dt="2025-09-02T23:28:02.760" v="0" actId="478"/>
-          <ac:picMkLst>
-            <pc:docMk/>
-            <pc:sldMk cId="1692472849" sldId="342"/>
-            <ac:picMk id="5" creationId="{00000000-0000-0000-0000-000000000000}"/>
-          </ac:picMkLst>
-        </pc:picChg>
       </pc:sldChg>
       <pc:sldChg chg="del">
         <pc:chgData name="Zonghua Gu" userId="9a7e1853e1951ef5" providerId="LiveId" clId="{CF1FAA12-072C-4ED5-BA76-0FFFAEFDB88A}" dt="2025-09-02T23:28:16.891" v="5" actId="47"/>
@@ -212,12 +212,42 @@
           <pc:sldMk cId="3227605852" sldId="369"/>
         </pc:sldMkLst>
       </pc:sldChg>
+      <pc:sldChg chg="modSp mod">
+        <pc:chgData name="Zonghua Gu" userId="9a7e1853e1951ef5" providerId="LiveId" clId="{CF1FAA12-072C-4ED5-BA76-0FFFAEFDB88A}" dt="2025-09-11T23:50:11.718" v="22" actId="20577"/>
+        <pc:sldMkLst>
+          <pc:docMk/>
+          <pc:sldMk cId="3707209653" sldId="374"/>
+        </pc:sldMkLst>
+        <pc:spChg chg="mod">
+          <ac:chgData name="Zonghua Gu" userId="9a7e1853e1951ef5" providerId="LiveId" clId="{CF1FAA12-072C-4ED5-BA76-0FFFAEFDB88A}" dt="2025-09-11T23:50:11.718" v="22" actId="20577"/>
+          <ac:spMkLst>
+            <pc:docMk/>
+            <pc:sldMk cId="3707209653" sldId="374"/>
+            <ac:spMk id="4" creationId="{00000000-0000-0000-0000-000000000000}"/>
+          </ac:spMkLst>
+        </pc:spChg>
+      </pc:sldChg>
       <pc:sldChg chg="del">
         <pc:chgData name="Zonghua Gu" userId="9a7e1853e1951ef5" providerId="LiveId" clId="{CF1FAA12-072C-4ED5-BA76-0FFFAEFDB88A}" dt="2025-09-02T23:28:25.300" v="11" actId="47"/>
         <pc:sldMkLst>
           <pc:docMk/>
           <pc:sldMk cId="1834379896" sldId="375"/>
         </pc:sldMkLst>
+      </pc:sldChg>
+      <pc:sldChg chg="modSp">
+        <pc:chgData name="Zonghua Gu" userId="9a7e1853e1951ef5" providerId="LiveId" clId="{CF1FAA12-072C-4ED5-BA76-0FFFAEFDB88A}" dt="2025-09-11T23:49:59.969" v="12"/>
+        <pc:sldMkLst>
+          <pc:docMk/>
+          <pc:sldMk cId="79272374" sldId="376"/>
+        </pc:sldMkLst>
+        <pc:spChg chg="mod">
+          <ac:chgData name="Zonghua Gu" userId="9a7e1853e1951ef5" providerId="LiveId" clId="{CF1FAA12-072C-4ED5-BA76-0FFFAEFDB88A}" dt="2025-09-11T23:49:59.969" v="12"/>
+          <ac:spMkLst>
+            <pc:docMk/>
+            <pc:sldMk cId="79272374" sldId="376"/>
+            <ac:spMk id="3" creationId="{00000000-0000-0000-0000-000000000000}"/>
+          </ac:spMkLst>
+        </pc:spChg>
       </pc:sldChg>
       <pc:sldChg chg="del">
         <pc:chgData name="Zonghua Gu" userId="9a7e1853e1951ef5" providerId="LiveId" clId="{CF1FAA12-072C-4ED5-BA76-0FFFAEFDB88A}" dt="2025-09-02T23:28:18.808" v="7" actId="47"/>
@@ -335,7 +365,7 @@
             <a:fld id="{2AEAFE1F-9E52-45C8-9793-E819F0044A1C}" type="datetimeFigureOut">
               <a:rPr lang="en-US" smtClean="0"/>
               <a:pPr/>
-              <a:t>9/2/2025</a:t>
+              <a:t>9/11/2025</a:t>
             </a:fld>
             <a:endParaRPr lang="en-US"/>
           </a:p>
@@ -1858,7 +1888,7 @@
             <a:fld id="{2E26774B-6488-4259-9342-6CBDB2BFD4E4}" type="datetime1">
               <a:rPr lang="en-US" smtClean="0"/>
               <a:pPr eaLnBrk="1" latinLnBrk="0" hangingPunct="1"/>
-              <a:t>9/2/2025</a:t>
+              <a:t>9/11/2025</a:t>
             </a:fld>
             <a:endParaRPr lang="en-US" sz="1600" dirty="0"/>
           </a:p>
@@ -2233,7 +2263,7 @@
             <a:fld id="{9B2E7711-0BE3-4AFC-959B-CB5C31A7AE48}" type="datetime1">
               <a:rPr lang="en-US" smtClean="0"/>
               <a:pPr eaLnBrk="1" latinLnBrk="0" hangingPunct="1"/>
-              <a:t>9/2/2025</a:t>
+              <a:t>9/11/2025</a:t>
             </a:fld>
             <a:endParaRPr lang="en-US"/>
           </a:p>
@@ -2434,7 +2464,7 @@
             <a:fld id="{825AAB62-A572-4E37-B772-B4A75ADE0B18}" type="datetime1">
               <a:rPr lang="en-US" smtClean="0"/>
               <a:pPr eaLnBrk="1" latinLnBrk="0" hangingPunct="1"/>
-              <a:t>9/2/2025</a:t>
+              <a:t>9/11/2025</a:t>
             </a:fld>
             <a:endParaRPr lang="en-US"/>
           </a:p>
@@ -4484,7 +4514,7 @@
             <a:fld id="{B0F52420-10F8-488E-969A-A9BE388BE9C4}" type="datetime1">
               <a:rPr lang="en-US" smtClean="0"/>
               <a:pPr eaLnBrk="1" latinLnBrk="0" hangingPunct="1"/>
-              <a:t>9/2/2025</a:t>
+              <a:t>9/11/2025</a:t>
             </a:fld>
             <a:endParaRPr lang="en-US" dirty="0"/>
           </a:p>
@@ -5796,7 +5826,7 @@
           <a:p>
             <a:fld id="{C31F198E-4891-0744-982A-035A8E9D5E57}" type="datetime1">
               <a:rPr lang="en-US" smtClean="0"/>
-              <a:t>9/2/2025</a:t>
+              <a:t>9/11/2025</a:t>
             </a:fld>
             <a:endParaRPr lang="en-US"/>
           </a:p>
@@ -5994,7 +6024,7 @@
           <a:p>
             <a:fld id="{69240954-B576-9D4D-A4A4-BAF4EBC7B2CF}" type="datetime1">
               <a:rPr lang="en-US" smtClean="0"/>
-              <a:t>9/2/2025</a:t>
+              <a:t>9/11/2025</a:t>
             </a:fld>
             <a:endParaRPr lang="en-US"/>
           </a:p>
@@ -6269,7 +6299,7 @@
           <a:p>
             <a:fld id="{CBDD84B5-E081-4443-9C9D-23B64540996F}" type="datetime1">
               <a:rPr lang="en-US" smtClean="0"/>
-              <a:t>9/2/2025</a:t>
+              <a:t>9/11/2025</a:t>
             </a:fld>
             <a:endParaRPr lang="en-US"/>
           </a:p>
@@ -6584,7 +6614,7 @@
           <a:p>
             <a:fld id="{7203B415-761D-814B-B6F6-D8584C5DFB68}" type="datetime1">
               <a:rPr lang="en-US" smtClean="0"/>
-              <a:t>9/2/2025</a:t>
+              <a:t>9/11/2025</a:t>
             </a:fld>
             <a:endParaRPr lang="en-US"/>
           </a:p>
@@ -7033,7 +7063,7 @@
           <a:p>
             <a:fld id="{CE4CC544-E270-624B-A146-427A1328771C}" type="datetime1">
               <a:rPr lang="en-US" smtClean="0"/>
-              <a:t>9/2/2025</a:t>
+              <a:t>9/11/2025</a:t>
             </a:fld>
             <a:endParaRPr lang="en-US"/>
           </a:p>
@@ -7284,7 +7314,7 @@
             <a:fld id="{96E96F24-58CF-47DA-907C-A9CD6353E425}" type="datetime1">
               <a:rPr lang="en-US" smtClean="0"/>
               <a:pPr eaLnBrk="1" latinLnBrk="0" hangingPunct="1"/>
-              <a:t>9/2/2025</a:t>
+              <a:t>9/11/2025</a:t>
             </a:fld>
             <a:endParaRPr lang="en-US" dirty="0"/>
           </a:p>
@@ -7505,7 +7535,7 @@
           <a:p>
             <a:fld id="{3CEF9BDF-98D8-2E40-B9CD-119F66CA07F0}" type="datetime1">
               <a:rPr lang="en-US" smtClean="0"/>
-              <a:t>9/2/2025</a:t>
+              <a:t>9/11/2025</a:t>
             </a:fld>
             <a:endParaRPr lang="en-US"/>
           </a:p>
@@ -7630,7 +7660,7 @@
           <a:p>
             <a:fld id="{E6FB255F-2FE0-274D-998F-31FB20EFB046}" type="datetime1">
               <a:rPr lang="en-US" smtClean="0"/>
-              <a:t>9/2/2025</a:t>
+              <a:t>9/11/2025</a:t>
             </a:fld>
             <a:endParaRPr lang="en-US"/>
           </a:p>
@@ -7935,7 +7965,7 @@
           <a:p>
             <a:fld id="{C3975A16-A311-5046-89EC-B02DC029DBB6}" type="datetime1">
               <a:rPr lang="en-US" smtClean="0"/>
-              <a:t>9/2/2025</a:t>
+              <a:t>9/11/2025</a:t>
             </a:fld>
             <a:endParaRPr lang="en-US"/>
           </a:p>
@@ -8217,7 +8247,7 @@
           <a:p>
             <a:fld id="{11CADE38-462A-F74A-9AF0-365C45329AEC}" type="datetime1">
               <a:rPr lang="en-US" smtClean="0"/>
-              <a:t>9/2/2025</a:t>
+              <a:t>9/11/2025</a:t>
             </a:fld>
             <a:endParaRPr lang="en-US"/>
           </a:p>
@@ -8397,7 +8427,7 @@
           <a:p>
             <a:fld id="{27E5EB6D-9795-774A-B846-CEE32CCDB9F4}" type="datetime1">
               <a:rPr lang="en-US" smtClean="0"/>
-              <a:t>9/2/2025</a:t>
+              <a:t>9/11/2025</a:t>
             </a:fld>
             <a:endParaRPr lang="en-US"/>
           </a:p>
@@ -8587,7 +8617,7 @@
           <a:p>
             <a:fld id="{2D2FCB11-01EB-AC45-9E2D-185B38D86EC5}" type="datetime1">
               <a:rPr lang="en-US" smtClean="0"/>
-              <a:t>9/2/2025</a:t>
+              <a:t>9/11/2025</a:t>
             </a:fld>
             <a:endParaRPr lang="en-US"/>
           </a:p>
@@ -9637,7 +9667,7 @@
             <a:fld id="{53AE4463-726A-4A35-9F46-98893432A3F9}" type="datetime1">
               <a:rPr lang="en-US" smtClean="0"/>
               <a:pPr eaLnBrk="1" latinLnBrk="0" hangingPunct="1"/>
-              <a:t>9/2/2025</a:t>
+              <a:t>9/11/2025</a:t>
             </a:fld>
             <a:endParaRPr lang="en-US"/>
           </a:p>
@@ -11687,7 +11717,7 @@
             <a:fld id="{FDF404D0-E306-4E90-90E3-E44D26246FFC}" type="datetime1">
               <a:rPr lang="en-US" smtClean="0"/>
               <a:pPr eaLnBrk="1" latinLnBrk="0" hangingPunct="1"/>
-              <a:t>9/2/2025</a:t>
+              <a:t>9/11/2025</a:t>
             </a:fld>
             <a:endParaRPr lang="en-US"/>
           </a:p>
@@ -11945,7 +11975,7 @@
             <a:fld id="{1485DA14-76F0-4D93-83FB-7878C79A1986}" type="datetime1">
               <a:rPr lang="en-US" smtClean="0"/>
               <a:pPr eaLnBrk="1" latinLnBrk="0" hangingPunct="1"/>
-              <a:t>9/2/2025</a:t>
+              <a:t>9/11/2025</a:t>
             </a:fld>
             <a:endParaRPr lang="en-US"/>
           </a:p>
@@ -12112,7 +12142,7 @@
             <a:fld id="{A15E552D-49E1-496B-B79C-E100986B8B5F}" type="datetime1">
               <a:rPr lang="en-US" smtClean="0"/>
               <a:pPr eaLnBrk="1" latinLnBrk="0" hangingPunct="1"/>
-              <a:t>9/2/2025</a:t>
+              <a:t>9/11/2025</a:t>
             </a:fld>
             <a:endParaRPr lang="en-US"/>
           </a:p>
@@ -12415,7 +12445,7 @@
             <a:fld id="{CEC72505-1551-4A98-97CD-F520B07184AD}" type="datetime1">
               <a:rPr lang="en-US" smtClean="0"/>
               <a:pPr eaLnBrk="1" latinLnBrk="0" hangingPunct="1"/>
-              <a:t>9/2/2025</a:t>
+              <a:t>9/11/2025</a:t>
             </a:fld>
             <a:endParaRPr lang="en-US"/>
           </a:p>
@@ -12848,7 +12878,7 @@
             <a:fld id="{7218F47B-BA16-4F20-B5BA-73F598D94B51}" type="datetime1">
               <a:rPr lang="en-US" smtClean="0"/>
               <a:pPr eaLnBrk="1" latinLnBrk="0" hangingPunct="1"/>
-              <a:t>9/2/2025</a:t>
+              <a:t>9/11/2025</a:t>
             </a:fld>
             <a:endParaRPr lang="en-US"/>
           </a:p>
@@ -14510,7 +14540,7 @@
           <a:p>
             <a:fld id="{20BAFD48-45E2-B54F-B7CB-E8D59064A99E}" type="datetime1">
               <a:rPr lang="en-US" smtClean="0"/>
-              <a:t>9/2/2025</a:t>
+              <a:t>9/11/2025</a:t>
             </a:fld>
             <a:endParaRPr lang="en-US"/>
           </a:p>
@@ -15746,7 +15776,7 @@
                 <a:tabLst/>
                 <a:defRPr/>
               </a:pPr>
-              <a:t>9/2/2025</a:t>
+              <a:t>9/11/2025</a:t>
             </a:fld>
             <a:endParaRPr kumimoji="0" lang="en-US" sz="900" b="0" i="0" u="none" strike="noStrike" kern="1200" cap="none" spc="0" normalizeH="0" baseline="0" noProof="0">
               <a:ln>
@@ -16342,7 +16372,7 @@
                 <a:tabLst/>
                 <a:defRPr/>
               </a:pPr>
-              <a:t>9/2/2025</a:t>
+              <a:t>9/11/2025</a:t>
             </a:fld>
             <a:endParaRPr kumimoji="0" lang="en-US" sz="900" b="0" i="0" u="none" strike="noStrike" kern="1200" cap="none" spc="0" normalizeH="0" baseline="0" noProof="0">
               <a:ln>
@@ -16859,7 +16889,7 @@
           <a:p>
             <a:r>
               <a:rPr lang="en-US" dirty="0"/>
-              <a:t>Q: What is the result of 1001 + 0011?</a:t>
+              <a:t>Q: Consider a 4-bit system. What is the result of 1001 + 0011?</a:t>
             </a:r>
           </a:p>
         </p:txBody>
@@ -21106,13 +21136,13 @@
           <a:p>
             <a:r>
               <a:rPr lang="en-US" dirty="0"/>
-              <a:t>1. Overflow is impossible when subtracting one unsigned number from another.</a:t>
+              <a:t>1. Borrow=1 is impossible when subtracting one unsigned number from another.</a:t>
             </a:r>
           </a:p>
           <a:p>
             <a:r>
               <a:rPr lang="en-US" dirty="0"/>
-              <a:t>2. Overflow is impossible when subtracting two signed operands of the same sign.</a:t>
+              <a:t>2. Overflow=1 is impossible when subtracting two signed operands of the same sign.</a:t>
             </a:r>
           </a:p>
           <a:p>

--- a/PPTs/L1 Data Representation Exercises.pptx
+++ b/PPTs/L1 Data Representation Exercises.pptx
@@ -23,7 +23,7 @@
     <p:sldId id="345" r:id="rId14"/>
     <p:sldId id="350" r:id="rId15"/>
     <p:sldId id="376" r:id="rId16"/>
-    <p:sldId id="383" r:id="rId17"/>
+    <p:sldId id="384" r:id="rId17"/>
     <p:sldId id="372" r:id="rId18"/>
     <p:sldId id="371" r:id="rId19"/>
     <p:sldId id="378" r:id="rId20"/>
@@ -149,7 +149,7 @@
 <file path=ppt/revisionInfo.xml><?xml version="1.0" encoding="utf-8"?>
 <p1510:revInfo xmlns:a="http://schemas.openxmlformats.org/drawingml/2006/main" xmlns:r="http://schemas.openxmlformats.org/officeDocument/2006/relationships" xmlns:p1510="http://schemas.microsoft.com/office/powerpoint/2015/10/main">
   <p1510:revLst>
-    <p1510:client id="{09C960B9-3397-4353-8F8D-E64CA9AF94D6}" v="1" dt="2025-09-11T23:49:59.969"/>
+    <p1510:client id="{09C960B9-3397-4353-8F8D-E64CA9AF94D6}" v="2" dt="2025-09-22T01:50:53.242"/>
   </p1510:revLst>
 </p1510:revInfo>
 </file>
@@ -158,8 +158,8 @@
 <pc:chgInfo xmlns:a="http://schemas.openxmlformats.org/drawingml/2006/main" xmlns:r="http://schemas.openxmlformats.org/officeDocument/2006/relationships" xmlns:ac="http://schemas.microsoft.com/office/drawing/2013/main/command" xmlns:pc="http://schemas.microsoft.com/office/powerpoint/2013/main/command">
   <pc:docChgLst>
     <pc:chgData name="Zonghua Gu" userId="9a7e1853e1951ef5" providerId="LiveId" clId="{CF1FAA12-072C-4ED5-BA76-0FFFAEFDB88A}"/>
-    <pc:docChg chg="custSel delSld modSld">
-      <pc:chgData name="Zonghua Gu" userId="9a7e1853e1951ef5" providerId="LiveId" clId="{CF1FAA12-072C-4ED5-BA76-0FFFAEFDB88A}" dt="2025-09-11T23:50:11.718" v="22" actId="20577"/>
+    <pc:docChg chg="custSel addSld delSld modSld">
+      <pc:chgData name="Zonghua Gu" userId="9a7e1853e1951ef5" providerId="LiveId" clId="{CF1FAA12-072C-4ED5-BA76-0FFFAEFDB88A}" dt="2025-09-22T01:50:54.680" v="24" actId="47"/>
       <pc:docMkLst>
         <pc:docMk/>
       </pc:docMkLst>
@@ -277,6 +277,20 @@
           <pc:sldMk cId="3132920451" sldId="382"/>
         </pc:sldMkLst>
       </pc:sldChg>
+      <pc:sldChg chg="del">
+        <pc:chgData name="Zonghua Gu" userId="9a7e1853e1951ef5" providerId="LiveId" clId="{CF1FAA12-072C-4ED5-BA76-0FFFAEFDB88A}" dt="2025-09-22T01:50:54.680" v="24" actId="47"/>
+        <pc:sldMkLst>
+          <pc:docMk/>
+          <pc:sldMk cId="2623990252" sldId="383"/>
+        </pc:sldMkLst>
+      </pc:sldChg>
+      <pc:sldChg chg="add">
+        <pc:chgData name="Zonghua Gu" userId="9a7e1853e1951ef5" providerId="LiveId" clId="{CF1FAA12-072C-4ED5-BA76-0FFFAEFDB88A}" dt="2025-09-22T01:50:53.237" v="23"/>
+        <pc:sldMkLst>
+          <pc:docMk/>
+          <pc:sldMk cId="2698905962" sldId="384"/>
+        </pc:sldMkLst>
+      </pc:sldChg>
     </pc:docChg>
   </pc:docChgLst>
 </pc:chgInfo>
@@ -365,7 +379,7 @@
             <a:fld id="{2AEAFE1F-9E52-45C8-9793-E819F0044A1C}" type="datetimeFigureOut">
               <a:rPr lang="en-US" smtClean="0"/>
               <a:pPr/>
-              <a:t>9/11/2025</a:t>
+              <a:t>9/21/2025</a:t>
             </a:fld>
             <a:endParaRPr lang="en-US"/>
           </a:p>
@@ -1888,7 +1902,7 @@
             <a:fld id="{2E26774B-6488-4259-9342-6CBDB2BFD4E4}" type="datetime1">
               <a:rPr lang="en-US" smtClean="0"/>
               <a:pPr eaLnBrk="1" latinLnBrk="0" hangingPunct="1"/>
-              <a:t>9/11/2025</a:t>
+              <a:t>9/21/2025</a:t>
             </a:fld>
             <a:endParaRPr lang="en-US" sz="1600" dirty="0"/>
           </a:p>
@@ -2263,7 +2277,7 @@
             <a:fld id="{9B2E7711-0BE3-4AFC-959B-CB5C31A7AE48}" type="datetime1">
               <a:rPr lang="en-US" smtClean="0"/>
               <a:pPr eaLnBrk="1" latinLnBrk="0" hangingPunct="1"/>
-              <a:t>9/11/2025</a:t>
+              <a:t>9/21/2025</a:t>
             </a:fld>
             <a:endParaRPr lang="en-US"/>
           </a:p>
@@ -2464,7 +2478,7 @@
             <a:fld id="{825AAB62-A572-4E37-B772-B4A75ADE0B18}" type="datetime1">
               <a:rPr lang="en-US" smtClean="0"/>
               <a:pPr eaLnBrk="1" latinLnBrk="0" hangingPunct="1"/>
-              <a:t>9/11/2025</a:t>
+              <a:t>9/21/2025</a:t>
             </a:fld>
             <a:endParaRPr lang="en-US"/>
           </a:p>
@@ -4514,7 +4528,7 @@
             <a:fld id="{B0F52420-10F8-488E-969A-A9BE388BE9C4}" type="datetime1">
               <a:rPr lang="en-US" smtClean="0"/>
               <a:pPr eaLnBrk="1" latinLnBrk="0" hangingPunct="1"/>
-              <a:t>9/11/2025</a:t>
+              <a:t>9/21/2025</a:t>
             </a:fld>
             <a:endParaRPr lang="en-US" dirty="0"/>
           </a:p>
@@ -5826,7 +5840,7 @@
           <a:p>
             <a:fld id="{C31F198E-4891-0744-982A-035A8E9D5E57}" type="datetime1">
               <a:rPr lang="en-US" smtClean="0"/>
-              <a:t>9/11/2025</a:t>
+              <a:t>9/21/2025</a:t>
             </a:fld>
             <a:endParaRPr lang="en-US"/>
           </a:p>
@@ -6024,7 +6038,7 @@
           <a:p>
             <a:fld id="{69240954-B576-9D4D-A4A4-BAF4EBC7B2CF}" type="datetime1">
               <a:rPr lang="en-US" smtClean="0"/>
-              <a:t>9/11/2025</a:t>
+              <a:t>9/21/2025</a:t>
             </a:fld>
             <a:endParaRPr lang="en-US"/>
           </a:p>
@@ -6299,7 +6313,7 @@
           <a:p>
             <a:fld id="{CBDD84B5-E081-4443-9C9D-23B64540996F}" type="datetime1">
               <a:rPr lang="en-US" smtClean="0"/>
-              <a:t>9/11/2025</a:t>
+              <a:t>9/21/2025</a:t>
             </a:fld>
             <a:endParaRPr lang="en-US"/>
           </a:p>
@@ -6614,7 +6628,7 @@
           <a:p>
             <a:fld id="{7203B415-761D-814B-B6F6-D8584C5DFB68}" type="datetime1">
               <a:rPr lang="en-US" smtClean="0"/>
-              <a:t>9/11/2025</a:t>
+              <a:t>9/21/2025</a:t>
             </a:fld>
             <a:endParaRPr lang="en-US"/>
           </a:p>
@@ -7063,7 +7077,7 @@
           <a:p>
             <a:fld id="{CE4CC544-E270-624B-A146-427A1328771C}" type="datetime1">
               <a:rPr lang="en-US" smtClean="0"/>
-              <a:t>9/11/2025</a:t>
+              <a:t>9/21/2025</a:t>
             </a:fld>
             <a:endParaRPr lang="en-US"/>
           </a:p>
@@ -7314,7 +7328,7 @@
             <a:fld id="{96E96F24-58CF-47DA-907C-A9CD6353E425}" type="datetime1">
               <a:rPr lang="en-US" smtClean="0"/>
               <a:pPr eaLnBrk="1" latinLnBrk="0" hangingPunct="1"/>
-              <a:t>9/11/2025</a:t>
+              <a:t>9/21/2025</a:t>
             </a:fld>
             <a:endParaRPr lang="en-US" dirty="0"/>
           </a:p>
@@ -7535,7 +7549,7 @@
           <a:p>
             <a:fld id="{3CEF9BDF-98D8-2E40-B9CD-119F66CA07F0}" type="datetime1">
               <a:rPr lang="en-US" smtClean="0"/>
-              <a:t>9/11/2025</a:t>
+              <a:t>9/21/2025</a:t>
             </a:fld>
             <a:endParaRPr lang="en-US"/>
           </a:p>
@@ -7660,7 +7674,7 @@
           <a:p>
             <a:fld id="{E6FB255F-2FE0-274D-998F-31FB20EFB046}" type="datetime1">
               <a:rPr lang="en-US" smtClean="0"/>
-              <a:t>9/11/2025</a:t>
+              <a:t>9/21/2025</a:t>
             </a:fld>
             <a:endParaRPr lang="en-US"/>
           </a:p>
@@ -7965,7 +7979,7 @@
           <a:p>
             <a:fld id="{C3975A16-A311-5046-89EC-B02DC029DBB6}" type="datetime1">
               <a:rPr lang="en-US" smtClean="0"/>
-              <a:t>9/11/2025</a:t>
+              <a:t>9/21/2025</a:t>
             </a:fld>
             <a:endParaRPr lang="en-US"/>
           </a:p>
@@ -8247,7 +8261,7 @@
           <a:p>
             <a:fld id="{11CADE38-462A-F74A-9AF0-365C45329AEC}" type="datetime1">
               <a:rPr lang="en-US" smtClean="0"/>
-              <a:t>9/11/2025</a:t>
+              <a:t>9/21/2025</a:t>
             </a:fld>
             <a:endParaRPr lang="en-US"/>
           </a:p>
@@ -8427,7 +8441,7 @@
           <a:p>
             <a:fld id="{27E5EB6D-9795-774A-B846-CEE32CCDB9F4}" type="datetime1">
               <a:rPr lang="en-US" smtClean="0"/>
-              <a:t>9/11/2025</a:t>
+              <a:t>9/21/2025</a:t>
             </a:fld>
             <a:endParaRPr lang="en-US"/>
           </a:p>
@@ -8617,7 +8631,7 @@
           <a:p>
             <a:fld id="{2D2FCB11-01EB-AC45-9E2D-185B38D86EC5}" type="datetime1">
               <a:rPr lang="en-US" smtClean="0"/>
-              <a:t>9/11/2025</a:t>
+              <a:t>9/21/2025</a:t>
             </a:fld>
             <a:endParaRPr lang="en-US"/>
           </a:p>
@@ -9667,7 +9681,7 @@
             <a:fld id="{53AE4463-726A-4A35-9F46-98893432A3F9}" type="datetime1">
               <a:rPr lang="en-US" smtClean="0"/>
               <a:pPr eaLnBrk="1" latinLnBrk="0" hangingPunct="1"/>
-              <a:t>9/11/2025</a:t>
+              <a:t>9/21/2025</a:t>
             </a:fld>
             <a:endParaRPr lang="en-US"/>
           </a:p>
@@ -11717,7 +11731,7 @@
             <a:fld id="{FDF404D0-E306-4E90-90E3-E44D26246FFC}" type="datetime1">
               <a:rPr lang="en-US" smtClean="0"/>
               <a:pPr eaLnBrk="1" latinLnBrk="0" hangingPunct="1"/>
-              <a:t>9/11/2025</a:t>
+              <a:t>9/21/2025</a:t>
             </a:fld>
             <a:endParaRPr lang="en-US"/>
           </a:p>
@@ -11975,7 +11989,7 @@
             <a:fld id="{1485DA14-76F0-4D93-83FB-7878C79A1986}" type="datetime1">
               <a:rPr lang="en-US" smtClean="0"/>
               <a:pPr eaLnBrk="1" latinLnBrk="0" hangingPunct="1"/>
-              <a:t>9/11/2025</a:t>
+              <a:t>9/21/2025</a:t>
             </a:fld>
             <a:endParaRPr lang="en-US"/>
           </a:p>
@@ -12142,7 +12156,7 @@
             <a:fld id="{A15E552D-49E1-496B-B79C-E100986B8B5F}" type="datetime1">
               <a:rPr lang="en-US" smtClean="0"/>
               <a:pPr eaLnBrk="1" latinLnBrk="0" hangingPunct="1"/>
-              <a:t>9/11/2025</a:t>
+              <a:t>9/21/2025</a:t>
             </a:fld>
             <a:endParaRPr lang="en-US"/>
           </a:p>
@@ -12445,7 +12459,7 @@
             <a:fld id="{CEC72505-1551-4A98-97CD-F520B07184AD}" type="datetime1">
               <a:rPr lang="en-US" smtClean="0"/>
               <a:pPr eaLnBrk="1" latinLnBrk="0" hangingPunct="1"/>
-              <a:t>9/11/2025</a:t>
+              <a:t>9/21/2025</a:t>
             </a:fld>
             <a:endParaRPr lang="en-US"/>
           </a:p>
@@ -12878,7 +12892,7 @@
             <a:fld id="{7218F47B-BA16-4F20-B5BA-73F598D94B51}" type="datetime1">
               <a:rPr lang="en-US" smtClean="0"/>
               <a:pPr eaLnBrk="1" latinLnBrk="0" hangingPunct="1"/>
-              <a:t>9/11/2025</a:t>
+              <a:t>9/21/2025</a:t>
             </a:fld>
             <a:endParaRPr lang="en-US"/>
           </a:p>
@@ -14540,7 +14554,7 @@
           <a:p>
             <a:fld id="{20BAFD48-45E2-B54F-B7CB-E8D59064A99E}" type="datetime1">
               <a:rPr lang="en-US" smtClean="0"/>
-              <a:t>9/11/2025</a:t>
+              <a:t>9/21/2025</a:t>
             </a:fld>
             <a:endParaRPr lang="en-US"/>
           </a:p>
@@ -15776,7 +15790,7 @@
                 <a:tabLst/>
                 <a:defRPr/>
               </a:pPr>
-              <a:t>9/11/2025</a:t>
+              <a:t>9/21/2025</a:t>
             </a:fld>
             <a:endParaRPr kumimoji="0" lang="en-US" sz="900" b="0" i="0" u="none" strike="noStrike" kern="1200" cap="none" spc="0" normalizeH="0" baseline="0" noProof="0">
               <a:ln>
@@ -16372,7 +16386,7 @@
                 <a:tabLst/>
                 <a:defRPr/>
               </a:pPr>
-              <a:t>9/11/2025</a:t>
+              <a:t>9/21/2025</a:t>
             </a:fld>
             <a:endParaRPr kumimoji="0" lang="en-US" sz="900" b="0" i="0" u="none" strike="noStrike" kern="1200" cap="none" spc="0" normalizeH="0" baseline="0" noProof="0">
               <a:ln>
@@ -17452,7 +17466,7 @@
         </p:nvSpPr>
         <p:spPr bwMode="auto">
           <a:xfrm>
-            <a:off x="609600" y="3751151"/>
+            <a:off x="609600" y="3384790"/>
             <a:ext cx="8083550" cy="2354491"/>
           </a:xfrm>
           <a:prstGeom prst="rect">
@@ -17957,7 +17971,7 @@
           <p:nvPr/>
         </p:nvGraphicFramePr>
         <p:xfrm>
-          <a:off x="1447800" y="1524000"/>
+          <a:off x="1447800" y="1157639"/>
           <a:ext cx="5715000" cy="2362201"/>
         </p:xfrm>
         <a:graphic>
@@ -18698,7 +18712,7 @@
         </p:nvSpPr>
         <p:spPr bwMode="auto">
           <a:xfrm>
-            <a:off x="3340970" y="5956300"/>
+            <a:off x="3340970" y="5589939"/>
             <a:ext cx="1943100" cy="400050"/>
           </a:xfrm>
           <a:prstGeom prst="rect">
@@ -18747,7 +18761,7 @@
         </p:nvSpPr>
         <p:spPr bwMode="auto">
           <a:xfrm>
-            <a:off x="3271914" y="5717505"/>
+            <a:off x="3271914" y="5351144"/>
             <a:ext cx="380232" cy="323165"/>
           </a:xfrm>
           <a:prstGeom prst="rect">
@@ -18797,7 +18811,7 @@
         </p:nvSpPr>
         <p:spPr bwMode="auto">
           <a:xfrm>
-            <a:off x="4998320" y="5706789"/>
+            <a:off x="4998320" y="5340428"/>
             <a:ext cx="282450" cy="323165"/>
           </a:xfrm>
           <a:prstGeom prst="rect">
@@ -18845,7 +18859,7 @@
         </p:nvSpPr>
         <p:spPr>
           <a:xfrm>
-            <a:off x="3340970" y="5956300"/>
+            <a:off x="3340970" y="5589939"/>
             <a:ext cx="159741" cy="399772"/>
           </a:xfrm>
           <a:prstGeom prst="rect">
@@ -18898,7 +18912,7 @@
         </p:nvSpPr>
         <p:spPr>
           <a:xfrm>
-            <a:off x="3503092" y="5956022"/>
+            <a:off x="3503092" y="5589661"/>
             <a:ext cx="159741" cy="399772"/>
           </a:xfrm>
           <a:prstGeom prst="rect">
@@ -18951,7 +18965,7 @@
         </p:nvSpPr>
         <p:spPr>
           <a:xfrm>
-            <a:off x="3665215" y="5955465"/>
+            <a:off x="3665215" y="5589104"/>
             <a:ext cx="159741" cy="399772"/>
           </a:xfrm>
           <a:prstGeom prst="rect">
@@ -19004,7 +19018,7 @@
         </p:nvSpPr>
         <p:spPr>
           <a:xfrm>
-            <a:off x="3824956" y="5955464"/>
+            <a:off x="3824956" y="5589103"/>
             <a:ext cx="159741" cy="399772"/>
           </a:xfrm>
           <a:prstGeom prst="rect">
@@ -19057,7 +19071,7 @@
         </p:nvSpPr>
         <p:spPr>
           <a:xfrm>
-            <a:off x="2878666" y="6390879"/>
+            <a:off x="2878666" y="6024518"/>
             <a:ext cx="2941896" cy="300082"/>
           </a:xfrm>
           <a:prstGeom prst="rect">
@@ -19098,7 +19112,7 @@
         </p:nvSpPr>
         <p:spPr>
           <a:xfrm>
-            <a:off x="294068" y="178297"/>
+            <a:off x="274853" y="110402"/>
             <a:ext cx="1265712" cy="762000"/>
           </a:xfrm>
           <a:prstGeom prst="horizontalScroll">
@@ -19188,7 +19202,7 @@
     </p:spTree>
     <p:extLst>
       <p:ext uri="{BB962C8B-B14F-4D97-AF65-F5344CB8AC3E}">
-        <p14:creationId xmlns:p14="http://schemas.microsoft.com/office/powerpoint/2010/main" val="2623990252"/>
+        <p14:creationId xmlns:p14="http://schemas.microsoft.com/office/powerpoint/2010/main" val="2698905962"/>
       </p:ext>
     </p:extLst>
   </p:cSld>
